--- a/ITI/TF/Volume2/media/Figure_3.31-6.pptx
+++ b/ITI/TF/Volume2/media/Figure_3.31-6.pptx
@@ -107,6 +107,11 @@
       </a:defRPr>
     </a:lvl9pPr>
   </p:defaultTextStyle>
+  <p:extLst>
+    <p:ext uri="{EFAFB233-063F-42B5-8137-9DF3F51BA10A}">
+      <p15:sldGuideLst xmlns:p15="http://schemas.microsoft.com/office/powerpoint/2012/main"/>
+    </p:ext>
+  </p:extLst>
 </p:presentation>
 </file>
 
@@ -192,7 +197,7 @@
           <a:p>
             <a:fld id="{987A1CB4-2E6D-A645-99D4-EB108D85299E}" type="datetimeFigureOut">
               <a:rPr lang="en-US" smtClean="0"/>
-              <a:t>11/10/20</a:t>
+              <a:t>11/17/2020</a:t>
             </a:fld>
             <a:endParaRPr lang="en-US"/>
           </a:p>
@@ -690,7 +695,7 @@
           <a:p>
             <a:fld id="{B894611B-C464-0944-B506-B291BE1913B1}" type="datetimeFigureOut">
               <a:rPr lang="en-US" smtClean="0"/>
-              <a:t>11/9/20</a:t>
+              <a:t>11/17/2020</a:t>
             </a:fld>
             <a:endParaRPr lang="en-US"/>
           </a:p>
@@ -888,7 +893,7 @@
           <a:p>
             <a:fld id="{B894611B-C464-0944-B506-B291BE1913B1}" type="datetimeFigureOut">
               <a:rPr lang="en-US" smtClean="0"/>
-              <a:t>11/9/20</a:t>
+              <a:t>11/17/2020</a:t>
             </a:fld>
             <a:endParaRPr lang="en-US"/>
           </a:p>
@@ -1096,7 +1101,7 @@
           <a:p>
             <a:fld id="{B894611B-C464-0944-B506-B291BE1913B1}" type="datetimeFigureOut">
               <a:rPr lang="en-US" smtClean="0"/>
-              <a:t>11/9/20</a:t>
+              <a:t>11/17/2020</a:t>
             </a:fld>
             <a:endParaRPr lang="en-US"/>
           </a:p>
@@ -1294,7 +1299,7 @@
           <a:p>
             <a:fld id="{B894611B-C464-0944-B506-B291BE1913B1}" type="datetimeFigureOut">
               <a:rPr lang="en-US" smtClean="0"/>
-              <a:t>11/9/20</a:t>
+              <a:t>11/17/2020</a:t>
             </a:fld>
             <a:endParaRPr lang="en-US"/>
           </a:p>
@@ -1569,7 +1574,7 @@
           <a:p>
             <a:fld id="{B894611B-C464-0944-B506-B291BE1913B1}" type="datetimeFigureOut">
               <a:rPr lang="en-US" smtClean="0"/>
-              <a:t>11/9/20</a:t>
+              <a:t>11/17/2020</a:t>
             </a:fld>
             <a:endParaRPr lang="en-US"/>
           </a:p>
@@ -1834,7 +1839,7 @@
           <a:p>
             <a:fld id="{B894611B-C464-0944-B506-B291BE1913B1}" type="datetimeFigureOut">
               <a:rPr lang="en-US" smtClean="0"/>
-              <a:t>11/9/20</a:t>
+              <a:t>11/17/2020</a:t>
             </a:fld>
             <a:endParaRPr lang="en-US"/>
           </a:p>
@@ -2246,7 +2251,7 @@
           <a:p>
             <a:fld id="{B894611B-C464-0944-B506-B291BE1913B1}" type="datetimeFigureOut">
               <a:rPr lang="en-US" smtClean="0"/>
-              <a:t>11/9/20</a:t>
+              <a:t>11/17/2020</a:t>
             </a:fld>
             <a:endParaRPr lang="en-US"/>
           </a:p>
@@ -2387,7 +2392,7 @@
           <a:p>
             <a:fld id="{B894611B-C464-0944-B506-B291BE1913B1}" type="datetimeFigureOut">
               <a:rPr lang="en-US" smtClean="0"/>
-              <a:t>11/9/20</a:t>
+              <a:t>11/17/2020</a:t>
             </a:fld>
             <a:endParaRPr lang="en-US"/>
           </a:p>
@@ -2500,7 +2505,7 @@
           <a:p>
             <a:fld id="{B894611B-C464-0944-B506-B291BE1913B1}" type="datetimeFigureOut">
               <a:rPr lang="en-US" smtClean="0"/>
-              <a:t>11/9/20</a:t>
+              <a:t>11/17/2020</a:t>
             </a:fld>
             <a:endParaRPr lang="en-US"/>
           </a:p>
@@ -2811,7 +2816,7 @@
           <a:p>
             <a:fld id="{B894611B-C464-0944-B506-B291BE1913B1}" type="datetimeFigureOut">
               <a:rPr lang="en-US" smtClean="0"/>
-              <a:t>11/9/20</a:t>
+              <a:t>11/17/2020</a:t>
             </a:fld>
             <a:endParaRPr lang="en-US"/>
           </a:p>
@@ -3099,7 +3104,7 @@
           <a:p>
             <a:fld id="{B894611B-C464-0944-B506-B291BE1913B1}" type="datetimeFigureOut">
               <a:rPr lang="en-US" smtClean="0"/>
-              <a:t>11/9/20</a:t>
+              <a:t>11/17/2020</a:t>
             </a:fld>
             <a:endParaRPr lang="en-US"/>
           </a:p>
@@ -3340,7 +3345,7 @@
           <a:p>
             <a:fld id="{B894611B-C464-0944-B506-B291BE1913B1}" type="datetimeFigureOut">
               <a:rPr lang="en-US" smtClean="0"/>
-              <a:t>11/9/20</a:t>
+              <a:t>11/17/2020</a:t>
             </a:fld>
             <a:endParaRPr lang="en-US"/>
           </a:p>
@@ -4129,8 +4134,8 @@
         </p:blipFill>
         <p:spPr bwMode="auto">
           <a:xfrm>
-            <a:off x="3686810" y="2626995"/>
-            <a:ext cx="4818380" cy="1604010"/>
+            <a:off x="960581" y="1440886"/>
+            <a:ext cx="10861963" cy="3845081"/>
           </a:xfrm>
           <a:prstGeom prst="rect">
             <a:avLst/>
